--- a/textbooks/Ch20.pptx
+++ b/textbooks/Ch20.pptx
@@ -322,7 +322,7 @@
           <a:p>
             <a:fld id="{1D8BD707-D9CF-40AE-B4C6-C98DA3205C09}" type="datetimeFigureOut">
               <a:rPr lang="en-US"/>
-              <a:t>1/5/2022</a:t>
+              <a:t>1/11/2022</a:t>
             </a:fld>
             <a:endParaRPr lang="en-US"/>
           </a:p>
@@ -532,7 +532,7 @@
           <a:p>
             <a:fld id="{1D8BD707-D9CF-40AE-B4C6-C98DA3205C09}" type="datetimeFigureOut">
               <a:rPr lang="en-US"/>
-              <a:t>1/5/2022</a:t>
+              <a:t>1/11/2022</a:t>
             </a:fld>
             <a:endParaRPr lang="en-US"/>
           </a:p>
@@ -779,7 +779,7 @@
           <a:p>
             <a:fld id="{1D8BD707-D9CF-40AE-B4C6-C98DA3205C09}" type="datetimeFigureOut">
               <a:rPr lang="en-US"/>
-              <a:t>1/5/2022</a:t>
+              <a:t>1/11/2022</a:t>
             </a:fld>
             <a:endParaRPr lang="en-US"/>
           </a:p>
@@ -960,7 +960,7 @@
           <a:p>
             <a:fld id="{1D8BD707-D9CF-40AE-B4C6-C98DA3205C09}" type="datetimeFigureOut">
               <a:rPr lang="en-US"/>
-              <a:t>1/5/2022</a:t>
+              <a:t>1/11/2022</a:t>
             </a:fld>
             <a:endParaRPr lang="en-US"/>
           </a:p>
@@ -1112,7 +1112,7 @@
           <a:p>
             <a:fld id="{1D8BD707-D9CF-40AE-B4C6-C98DA3205C09}" type="datetimeFigureOut">
               <a:rPr lang="en-US"/>
-              <a:t>1/5/2022</a:t>
+              <a:t>1/11/2022</a:t>
             </a:fld>
             <a:endParaRPr lang="en-US"/>
           </a:p>
@@ -1370,7 +1370,7 @@
           <a:p>
             <a:fld id="{1D8BD707-D9CF-40AE-B4C6-C98DA3205C09}" type="datetimeFigureOut">
               <a:rPr lang="en-US"/>
-              <a:t>1/5/2022</a:t>
+              <a:t>1/11/2022</a:t>
             </a:fld>
             <a:endParaRPr lang="en-US"/>
           </a:p>
@@ -5611,6 +5611,41 @@
           </a:p>
         </p:txBody>
       </p:sp>
+      <p:sp>
+        <p:nvSpPr>
+          <p:cNvPr id="10" name="文字方塊 9">
+            <a:extLst>
+              <a:ext uri="{FF2B5EF4-FFF2-40B4-BE49-F238E27FC236}">
+                <a16:creationId xmlns:a16="http://schemas.microsoft.com/office/drawing/2014/main" id="{7ED17C3F-89AC-41D5-AF65-DF71C6820A64}"/>
+              </a:ext>
+            </a:extLst>
+          </p:cNvPr>
+          <p:cNvSpPr txBox="1"/>
+          <p:nvPr/>
+        </p:nvSpPr>
+        <p:spPr>
+          <a:xfrm>
+            <a:off x="1460500" y="330835"/>
+            <a:ext cx="7821542" cy="830997"/>
+          </a:xfrm>
+          <a:prstGeom prst="rect">
+            <a:avLst/>
+          </a:prstGeom>
+          <a:noFill/>
+        </p:spPr>
+        <p:txBody>
+          <a:bodyPr wrap="square" rtlCol="0">
+            <a:spAutoFit/>
+          </a:bodyPr>
+          <a:lstStyle/>
+          <a:p>
+            <a:r>
+              <a:rPr lang="zh-TW" altLang="en-US" sz="2400" dirty="0"/>
+              <a:t>指示接收方應該儘快將這個報文段交給應用層而不用等待緩衝區裝滿</a:t>
+            </a:r>
+          </a:p>
+        </p:txBody>
+      </p:sp>
     </p:spTree>
   </p:cSld>
   <p:clrMapOvr>
@@ -8491,7 +8526,7 @@
         <p:spPr>
           <a:xfrm>
             <a:off x="4338037" y="5199722"/>
-            <a:ext cx="2082621" cy="1569660"/>
+            <a:ext cx="2996333" cy="1938992"/>
           </a:xfrm>
           <a:prstGeom prst="rect">
             <a:avLst/>
@@ -8530,6 +8565,32 @@
                 </a:solidFill>
               </a:rPr>
               <a:t> = 1</a:t>
+            </a:r>
+          </a:p>
+          <a:p>
+            <a:r>
+              <a:rPr lang="en-US" altLang="zh-TW" sz="2400" dirty="0">
+                <a:solidFill>
+                  <a:srgbClr val="0070C0"/>
+                </a:solidFill>
+              </a:rPr>
+              <a:t>send( min(</a:t>
+            </a:r>
+            <a:r>
+              <a:rPr lang="en-US" altLang="zh-TW" sz="2400" dirty="0" err="1">
+                <a:solidFill>
+                  <a:srgbClr val="0070C0"/>
+                </a:solidFill>
+              </a:rPr>
+              <a:t>cwnd</a:t>
+            </a:r>
+            <a:r>
+              <a:rPr lang="en-US" altLang="zh-TW" sz="2400" dirty="0">
+                <a:solidFill>
+                  <a:srgbClr val="0070C0"/>
+                </a:solidFill>
+              </a:rPr>
+              <a:t>, win))</a:t>
             </a:r>
           </a:p>
           <a:p>
@@ -8652,7 +8713,7 @@
         </p:nvSpPr>
         <p:spPr>
           <a:xfrm>
-            <a:off x="7251700" y="5293386"/>
+            <a:off x="7712362" y="5293386"/>
             <a:ext cx="2892138" cy="1323439"/>
           </a:xfrm>
           <a:prstGeom prst="rect">
@@ -8807,8 +8868,8 @@
         </p:nvCxnSpPr>
         <p:spPr>
           <a:xfrm>
-            <a:off x="6337300" y="6143625"/>
-            <a:ext cx="819987" cy="0"/>
+            <a:off x="5956300" y="5762625"/>
+            <a:ext cx="1788063" cy="0"/>
           </a:xfrm>
           <a:prstGeom prst="straightConnector1">
             <a:avLst/>
@@ -22727,7 +22788,7 @@
         <p:spPr>
           <a:xfrm>
             <a:off x="3870713" y="321711"/>
-            <a:ext cx="6502101" cy="523220"/>
+            <a:ext cx="6232796" cy="523220"/>
           </a:xfrm>
           <a:prstGeom prst="rect">
             <a:avLst/>
@@ -22754,7 +22815,7 @@
                   <a:srgbClr val="FF0000"/>
                 </a:solidFill>
               </a:rPr>
-              <a:t>多寡，取決於</a:t>
+              <a:t>多寡，決定 </a:t>
             </a:r>
             <a:r>
               <a:rPr lang="en-US" altLang="zh-TW" sz="2800" dirty="0">
